--- a/Divyadharshini.pptx
+++ b/Divyadharshini.pptx
@@ -5,7 +5,7 @@
     <p:sldMasterId id="2147483648" r:id="rId1"/>
   </p:sldMasterIdLst>
   <p:notesMasterIdLst>
-    <p:notesMasterId r:id="rId15"/>
+    <p:notesMasterId r:id="rId16"/>
   </p:notesMasterIdLst>
   <p:sldIdLst>
     <p:sldId id="256" r:id="rId2"/>
@@ -18,9 +18,10 @@
     <p:sldId id="264" r:id="rId9"/>
     <p:sldId id="269" r:id="rId10"/>
     <p:sldId id="263" r:id="rId11"/>
-    <p:sldId id="272" r:id="rId12"/>
-    <p:sldId id="273" r:id="rId13"/>
-    <p:sldId id="265" r:id="rId14"/>
+    <p:sldId id="274" r:id="rId12"/>
+    <p:sldId id="272" r:id="rId13"/>
+    <p:sldId id="273" r:id="rId14"/>
+    <p:sldId id="265" r:id="rId15"/>
   </p:sldIdLst>
   <p:sldSz cx="12192000" cy="6858000"/>
   <p:notesSz cx="12192000" cy="6858000"/>
@@ -220,7 +221,7 @@
           <a:p>
             <a:fld id="{84B86612-B127-4CD0-BF15-66D49A7175F7}" type="datetimeFigureOut">
               <a:rPr lang="en-IN" smtClean="0"/>
-              <a:t>03-09-2025</a:t>
+              <a:t>06-09-2025</a:t>
             </a:fld>
             <a:endParaRPr lang="en-IN"/>
           </a:p>
@@ -717,7 +718,7 @@
           <a:p>
             <a:fld id="{1D8BD707-D9CF-40AE-B4C6-C98DA3205C09}" type="datetimeFigureOut">
               <a:rPr lang="en-US"/>
-              <a:t>9/3/2025</a:t>
+              <a:t>9/6/2025</a:t>
             </a:fld>
             <a:endParaRPr lang="en-US"/>
           </a:p>
@@ -897,7 +898,7 @@
           <a:p>
             <a:fld id="{1D8BD707-D9CF-40AE-B4C6-C98DA3205C09}" type="datetimeFigureOut">
               <a:rPr lang="en-US"/>
-              <a:t>9/3/2025</a:t>
+              <a:t>9/6/2025</a:t>
             </a:fld>
             <a:endParaRPr lang="en-US"/>
           </a:p>
@@ -1120,7 +1121,7 @@
           <a:p>
             <a:fld id="{1D8BD707-D9CF-40AE-B4C6-C98DA3205C09}" type="datetimeFigureOut">
               <a:rPr lang="en-US"/>
-              <a:t>9/3/2025</a:t>
+              <a:t>9/6/2025</a:t>
             </a:fld>
             <a:endParaRPr lang="en-US"/>
           </a:p>
@@ -1277,7 +1278,7 @@
           <a:p>
             <a:fld id="{1D8BD707-D9CF-40AE-B4C6-C98DA3205C09}" type="datetimeFigureOut">
               <a:rPr lang="en-US"/>
-              <a:t>9/3/2025</a:t>
+              <a:t>9/6/2025</a:t>
             </a:fld>
             <a:endParaRPr lang="en-US"/>
           </a:p>
@@ -1405,7 +1406,7 @@
           <a:p>
             <a:fld id="{1D8BD707-D9CF-40AE-B4C6-C98DA3205C09}" type="datetimeFigureOut">
               <a:rPr lang="en-US"/>
-              <a:t>9/3/2025</a:t>
+              <a:t>9/6/2025</a:t>
             </a:fld>
             <a:endParaRPr lang="en-US"/>
           </a:p>
@@ -2124,7 +2125,7 @@
           <a:p>
             <a:fld id="{1D8BD707-D9CF-40AE-B4C6-C98DA3205C09}" type="datetimeFigureOut">
               <a:rPr lang="en-US"/>
-              <a:t>9/3/2025</a:t>
+              <a:t>9/6/2025</a:t>
             </a:fld>
             <a:endParaRPr lang="en-US"/>
           </a:p>
@@ -3158,47 +3159,6 @@
       </p:pic>
       <p:sp>
         <p:nvSpPr>
-          <p:cNvPr id="7" name="object 7"/>
-          <p:cNvSpPr txBox="1">
-            <a:spLocks noGrp="1"/>
-          </p:cNvSpPr>
-          <p:nvPr>
-            <p:ph type="title"/>
-          </p:nvPr>
-        </p:nvSpPr>
-        <p:spPr>
-          <a:xfrm>
-            <a:off x="739775" y="654938"/>
-            <a:ext cx="8480425" cy="670696"/>
-          </a:xfrm>
-          <a:prstGeom prst="rect">
-            <a:avLst/>
-          </a:prstGeom>
-        </p:spPr>
-        <p:txBody>
-          <a:bodyPr vert="horz" wrap="square" lIns="0" tIns="16510" rIns="0" bIns="0" rtlCol="0">
-            <a:spAutoFit/>
-          </a:bodyPr>
-          <a:lstStyle/>
-          <a:p>
-            <a:pPr marL="12700">
-              <a:lnSpc>
-                <a:spcPct val="100000"/>
-              </a:lnSpc>
-              <a:spcBef>
-                <a:spcPts val="130"/>
-              </a:spcBef>
-            </a:pPr>
-            <a:r>
-              <a:rPr lang="en-IN" sz="4250" spc="15" dirty="0"/>
-              <a:t>RESULTS AND SCREENSHOTS</a:t>
-            </a:r>
-            <a:endParaRPr sz="4250" dirty="0"/>
-          </a:p>
-        </p:txBody>
-      </p:sp>
-      <p:sp>
-        <p:nvSpPr>
           <p:cNvPr id="8" name="object 8"/>
           <p:cNvSpPr txBox="1"/>
           <p:nvPr/>
@@ -3328,6 +3288,59 @@
           </a:prstGeom>
         </p:spPr>
       </p:pic>
+      <p:sp>
+        <p:nvSpPr>
+          <p:cNvPr id="11" name="object 7">
+            <a:extLst>
+              <a:ext uri="{FF2B5EF4-FFF2-40B4-BE49-F238E27FC236}">
+                <a16:creationId xmlns:a16="http://schemas.microsoft.com/office/drawing/2014/main" id="{8FB549DC-E6A8-6B99-E778-0B31A0B37E05}"/>
+              </a:ext>
+            </a:extLst>
+          </p:cNvPr>
+          <p:cNvSpPr txBox="1">
+            <a:spLocks/>
+          </p:cNvSpPr>
+          <p:nvPr/>
+        </p:nvSpPr>
+        <p:spPr>
+          <a:xfrm>
+            <a:off x="892175" y="807338"/>
+            <a:ext cx="8480425" cy="670696"/>
+          </a:xfrm>
+          <a:prstGeom prst="rect">
+            <a:avLst/>
+          </a:prstGeom>
+        </p:spPr>
+        <p:txBody>
+          <a:bodyPr vert="horz" wrap="square" lIns="0" tIns="16510" rIns="0" bIns="0" rtlCol="0">
+            <a:spAutoFit/>
+          </a:bodyPr>
+          <a:lstStyle>
+            <a:lvl1pPr>
+              <a:defRPr sz="4800" b="1" i="0">
+                <a:solidFill>
+                  <a:schemeClr val="tx1"/>
+                </a:solidFill>
+                <a:latin typeface="Trebuchet MS"/>
+                <a:ea typeface="+mj-ea"/>
+                <a:cs typeface="Trebuchet MS"/>
+              </a:defRPr>
+            </a:lvl1pPr>
+          </a:lstStyle>
+          <a:p>
+            <a:pPr marL="12700">
+              <a:spcBef>
+                <a:spcPts val="130"/>
+              </a:spcBef>
+            </a:pPr>
+            <a:r>
+              <a:rPr lang="en-IN" sz="4250" kern="0" spc="15" dirty="0"/>
+              <a:t>RESULTS AND SCREENSHOTS</a:t>
+            </a:r>
+            <a:endParaRPr lang="en-IN" sz="4250" kern="0" dirty="0"/>
+          </a:p>
+        </p:txBody>
+      </p:sp>
     </p:spTree>
   </p:cSld>
   <p:clrMapOvr>
@@ -3337,6 +3350,155 @@
 </file>
 
 <file path=ppt/slides/slide11.xml><?xml version="1.0" encoding="utf-8"?>
+<p:sld xmlns:a="http://schemas.openxmlformats.org/drawingml/2006/main" xmlns:r="http://schemas.openxmlformats.org/officeDocument/2006/relationships" xmlns:p="http://schemas.openxmlformats.org/presentationml/2006/main">
+  <p:cSld>
+    <p:spTree>
+      <p:nvGrpSpPr>
+        <p:cNvPr id="1" name=""/>
+        <p:cNvGrpSpPr/>
+        <p:nvPr/>
+      </p:nvGrpSpPr>
+      <p:grpSpPr>
+        <a:xfrm>
+          <a:off x="0" y="0"/>
+          <a:ext cx="0" cy="0"/>
+          <a:chOff x="0" y="0"/>
+          <a:chExt cx="0" cy="0"/>
+        </a:xfrm>
+      </p:grpSpPr>
+      <p:sp>
+        <p:nvSpPr>
+          <p:cNvPr id="4" name="object 7">
+            <a:extLst>
+              <a:ext uri="{FF2B5EF4-FFF2-40B4-BE49-F238E27FC236}">
+                <a16:creationId xmlns:a16="http://schemas.microsoft.com/office/drawing/2014/main" id="{9E5A2A8F-26BE-6D0A-85C6-F9F3E1F0BE45}"/>
+              </a:ext>
+            </a:extLst>
+          </p:cNvPr>
+          <p:cNvSpPr txBox="1">
+            <a:spLocks noGrp="1"/>
+          </p:cNvSpPr>
+          <p:nvPr>
+            <p:ph type="title"/>
+          </p:nvPr>
+        </p:nvSpPr>
+        <p:spPr>
+          <a:xfrm>
+            <a:off x="755332" y="691222"/>
+            <a:ext cx="10681335" cy="758190"/>
+          </a:xfrm>
+          <a:prstGeom prst="rect">
+            <a:avLst/>
+          </a:prstGeom>
+        </p:spPr>
+        <p:txBody>
+          <a:bodyPr vert="horz" wrap="square" lIns="0" tIns="16510" rIns="0" bIns="0" rtlCol="0">
+            <a:spAutoFit/>
+          </a:bodyPr>
+          <a:lstStyle>
+            <a:lvl1pPr>
+              <a:defRPr sz="4800" b="1" i="0">
+                <a:solidFill>
+                  <a:schemeClr val="tx1"/>
+                </a:solidFill>
+                <a:latin typeface="Trebuchet MS"/>
+                <a:ea typeface="+mj-ea"/>
+                <a:cs typeface="Trebuchet MS"/>
+              </a:defRPr>
+            </a:lvl1pPr>
+          </a:lstStyle>
+          <a:p>
+            <a:pPr marL="12700">
+              <a:spcBef>
+                <a:spcPts val="130"/>
+              </a:spcBef>
+            </a:pPr>
+            <a:r>
+              <a:rPr lang="en-IN" sz="4250" kern="0" spc="15" dirty="0"/>
+              <a:t>RESULTS AND SCREENSHOTS</a:t>
+            </a:r>
+            <a:endParaRPr lang="en-IN" sz="4250" kern="0" dirty="0"/>
+          </a:p>
+        </p:txBody>
+      </p:sp>
+      <p:pic>
+        <p:nvPicPr>
+          <p:cNvPr id="6" name="object 6">
+            <a:extLst>
+              <a:ext uri="{FF2B5EF4-FFF2-40B4-BE49-F238E27FC236}">
+                <a16:creationId xmlns:a16="http://schemas.microsoft.com/office/drawing/2014/main" id="{0D1B11EA-FE9F-FDCD-D005-D20D80799436}"/>
+              </a:ext>
+            </a:extLst>
+          </p:cNvPr>
+          <p:cNvPicPr/>
+          <p:nvPr/>
+        </p:nvPicPr>
+        <p:blipFill>
+          <a:blip r:embed="rId2" cstate="print"/>
+          <a:stretch>
+            <a:fillRect/>
+          </a:stretch>
+        </p:blipFill>
+        <p:spPr>
+          <a:xfrm>
+            <a:off x="299067" y="3429000"/>
+            <a:ext cx="2466975" cy="3419475"/>
+          </a:xfrm>
+          <a:prstGeom prst="rect">
+            <a:avLst/>
+          </a:prstGeom>
+        </p:spPr>
+      </p:pic>
+      <p:pic>
+        <p:nvPicPr>
+          <p:cNvPr id="7" name="Picture 6">
+            <a:extLst>
+              <a:ext uri="{FF2B5EF4-FFF2-40B4-BE49-F238E27FC236}">
+                <a16:creationId xmlns:a16="http://schemas.microsoft.com/office/drawing/2014/main" id="{0FDDC01F-2DFB-F4CD-FEE7-D7D1EFCDBB2D}"/>
+              </a:ext>
+            </a:extLst>
+          </p:cNvPr>
+          <p:cNvPicPr>
+            <a:picLocks noChangeAspect="1"/>
+          </p:cNvPicPr>
+          <p:nvPr/>
+        </p:nvPicPr>
+        <p:blipFill>
+          <a:blip r:embed="rId3">
+            <a:extLst>
+              <a:ext uri="{28A0092B-C50C-407E-A947-70E740481C1C}">
+                <a14:useLocalDpi xmlns:a14="http://schemas.microsoft.com/office/drawing/2010/main" val="0"/>
+              </a:ext>
+            </a:extLst>
+          </a:blip>
+          <a:stretch>
+            <a:fillRect/>
+          </a:stretch>
+        </p:blipFill>
+        <p:spPr>
+          <a:xfrm>
+            <a:off x="3129054" y="2131247"/>
+            <a:ext cx="5029116" cy="3827601"/>
+          </a:xfrm>
+          <a:prstGeom prst="rect">
+            <a:avLst/>
+          </a:prstGeom>
+        </p:spPr>
+      </p:pic>
+    </p:spTree>
+    <p:extLst>
+      <p:ext uri="{BB962C8B-B14F-4D97-AF65-F5344CB8AC3E}">
+        <p14:creationId xmlns:p14="http://schemas.microsoft.com/office/powerpoint/2010/main" val="2639326729"/>
+      </p:ext>
+    </p:extLst>
+  </p:cSld>
+  <p:clrMapOvr>
+    <a:masterClrMapping/>
+  </p:clrMapOvr>
+</p:sld>
+</file>
+
+<file path=ppt/slides/slide12.xml><?xml version="1.0" encoding="utf-8"?>
 <p:sld xmlns:a="http://schemas.openxmlformats.org/drawingml/2006/main" xmlns:r="http://schemas.openxmlformats.org/officeDocument/2006/relationships" xmlns:p="http://schemas.openxmlformats.org/presentationml/2006/main">
   <p:cSld>
     <p:spTree>
@@ -3481,7 +3643,7 @@
 </p:sld>
 </file>
 
-<file path=ppt/slides/slide12.xml><?xml version="1.0" encoding="utf-8"?>
+<file path=ppt/slides/slide13.xml><?xml version="1.0" encoding="utf-8"?>
 <p:sld xmlns:a="http://schemas.openxmlformats.org/drawingml/2006/main" xmlns:r="http://schemas.openxmlformats.org/officeDocument/2006/relationships" xmlns:p="http://schemas.openxmlformats.org/presentationml/2006/main">
   <p:cSld>
     <p:spTree>
@@ -3626,7 +3788,7 @@
 </p:sld>
 </file>
 
-<file path=ppt/slides/slide13.xml><?xml version="1.0" encoding="utf-8"?>
+<file path=ppt/slides/slide14.xml><?xml version="1.0" encoding="utf-8"?>
 <p:sld xmlns:a="http://schemas.openxmlformats.org/drawingml/2006/main" xmlns:r="http://schemas.openxmlformats.org/officeDocument/2006/relationships" xmlns:p="http://schemas.openxmlformats.org/presentationml/2006/main">
   <p:cSld>
     <p:spTree>
@@ -3893,7 +4055,7 @@
                 <a:latin typeface="Trebuchet MS"/>
                 <a:cs typeface="Trebuchet MS"/>
               </a:rPr>
-              <a:t>13</a:t>
+              <a:t>14</a:t>
             </a:fld>
             <a:endParaRPr sz="1100">
               <a:latin typeface="Trebuchet MS"/>

--- a/Divyadharshini.pptx
+++ b/Divyadharshini.pptx
@@ -221,7 +221,7 @@
           <a:p>
             <a:fld id="{84B86612-B127-4CD0-BF15-66D49A7175F7}" type="datetimeFigureOut">
               <a:rPr lang="en-IN" smtClean="0"/>
-              <a:t>06-09-2025</a:t>
+              <a:t>10-09-2025</a:t>
             </a:fld>
             <a:endParaRPr lang="en-IN"/>
           </a:p>
@@ -718,7 +718,7 @@
           <a:p>
             <a:fld id="{1D8BD707-D9CF-40AE-B4C6-C98DA3205C09}" type="datetimeFigureOut">
               <a:rPr lang="en-US"/>
-              <a:t>9/6/2025</a:t>
+              <a:t>9/10/2025</a:t>
             </a:fld>
             <a:endParaRPr lang="en-US"/>
           </a:p>
@@ -898,7 +898,7 @@
           <a:p>
             <a:fld id="{1D8BD707-D9CF-40AE-B4C6-C98DA3205C09}" type="datetimeFigureOut">
               <a:rPr lang="en-US"/>
-              <a:t>9/6/2025</a:t>
+              <a:t>9/10/2025</a:t>
             </a:fld>
             <a:endParaRPr lang="en-US"/>
           </a:p>
@@ -1121,7 +1121,7 @@
           <a:p>
             <a:fld id="{1D8BD707-D9CF-40AE-B4C6-C98DA3205C09}" type="datetimeFigureOut">
               <a:rPr lang="en-US"/>
-              <a:t>9/6/2025</a:t>
+              <a:t>9/10/2025</a:t>
             </a:fld>
             <a:endParaRPr lang="en-US"/>
           </a:p>
@@ -1278,7 +1278,7 @@
           <a:p>
             <a:fld id="{1D8BD707-D9CF-40AE-B4C6-C98DA3205C09}" type="datetimeFigureOut">
               <a:rPr lang="en-US"/>
-              <a:t>9/6/2025</a:t>
+              <a:t>9/10/2025</a:t>
             </a:fld>
             <a:endParaRPr lang="en-US"/>
           </a:p>
@@ -1406,7 +1406,7 @@
           <a:p>
             <a:fld id="{1D8BD707-D9CF-40AE-B4C6-C98DA3205C09}" type="datetimeFigureOut">
               <a:rPr lang="en-US"/>
-              <a:t>9/6/2025</a:t>
+              <a:t>9/10/2025</a:t>
             </a:fld>
             <a:endParaRPr lang="en-US"/>
           </a:p>
@@ -2125,7 +2125,7 @@
           <a:p>
             <a:fld id="{1D8BD707-D9CF-40AE-B4C6-C98DA3205C09}" type="datetimeFigureOut">
               <a:rPr lang="en-US"/>
-              <a:t>9/6/2025</a:t>
+              <a:t>9/10/2025</a:t>
             </a:fld>
             <a:endParaRPr lang="en-US"/>
           </a:p>
@@ -2746,20 +2746,21 @@
           <a:p>
             <a:r>
               <a:rPr lang="en-US" sz="2400" dirty="0"/>
-              <a:t>REGISTER NO AND NMID: </a:t>
-            </a:r>
-            <a:r>
-              <a:rPr lang="en-IN" sz="2400" dirty="0"/>
-              <a:t>autanm11111124ucsc024</a:t>
-            </a:r>
-            <a:endParaRPr lang="en-US" sz="2400" dirty="0">
-              <a:cs typeface="Calibri"/>
-            </a:endParaRPr>
-          </a:p>
-          <a:p>
+              <a:t>REGISTER NO AND NMID:</a:t>
+            </a:r>
+            <a:r>
+              <a:rPr lang="en-IN" sz="2400"/>
+              <a:t>FDA6BB6CFF3169BBBFF4C32DA0CBF425</a:t>
+            </a:r>
+          </a:p>
+          <a:p>
+            <a:r>
+              <a:rPr lang="en-US" sz="2400"/>
+              <a:t>DEPARTMENT</a:t>
+            </a:r>
             <a:r>
               <a:rPr lang="en-US" sz="2400" dirty="0"/>
-              <a:t>DEPARTMENT: </a:t>
+              <a:t>: </a:t>
             </a:r>
             <a:r>
               <a:rPr lang="en-IN" sz="2400" dirty="0"/>
